--- a/Self_tutorial/3_learning/MNIST_learning/4_renew-parameter/1_diff/1_diff_eq/새 Microsoft PowerPoint 프레젠테이션.pptx
+++ b/Self_tutorial/3_learning/MNIST_learning/4_renew-parameter/1_diff/1_diff_eq/새 Microsoft PowerPoint 프레젠테이션.pptx
@@ -104,6 +104,11 @@
       </a:defRPr>
     </a:lvl9pPr>
   </p:defaultTextStyle>
+  <p:extLst>
+    <p:ext uri="{EFAFB233-063F-42B5-8137-9DF3F51BA10A}">
+      <p15:sldGuideLst xmlns:p15="http://schemas.microsoft.com/office/powerpoint/2012/main"/>
+    </p:ext>
+  </p:extLst>
 </p:presentation>
 </file>
 
@@ -2966,7 +2971,7 @@
       </p:grpSpPr>
       <p:grpSp>
         <p:nvGrpSpPr>
-          <p:cNvPr id="25" name="그룹 24"/>
+          <p:cNvPr id="26" name="그룹 25"/>
           <p:cNvGrpSpPr/>
           <p:nvPr/>
         </p:nvGrpSpPr>
@@ -2980,16 +2985,16 @@
         </p:grpSpPr>
         <p:grpSp>
           <p:nvGrpSpPr>
-            <p:cNvPr id="18" name="그룹 17"/>
+            <p:cNvPr id="25" name="그룹 24"/>
             <p:cNvGrpSpPr/>
             <p:nvPr/>
           </p:nvGrpSpPr>
           <p:grpSpPr>
             <a:xfrm>
               <a:off x="1123348" y="480160"/>
-              <a:ext cx="6794849" cy="5651790"/>
+              <a:ext cx="10655285" cy="5651790"/>
               <a:chOff x="1123348" y="480160"/>
-              <a:chExt cx="6794849" cy="5651790"/>
+              <a:chExt cx="10655285" cy="5651790"/>
             </a:xfrm>
           </p:grpSpPr>
           <p:grpSp>
@@ -3044,8 +3049,8 @@
               </p:nvCxnSpPr>
               <p:spPr>
                 <a:xfrm flipV="1">
-                  <a:off x="1882588" y="1098817"/>
-                  <a:ext cx="4172430" cy="3964961"/>
+                  <a:off x="1923304" y="1098818"/>
+                  <a:ext cx="4131714" cy="3916241"/>
                 </a:xfrm>
                 <a:prstGeom prst="line">
                   <a:avLst/>
@@ -3114,7 +3119,7 @@
               </p:nvCxnSpPr>
               <p:spPr>
                 <a:xfrm flipH="1">
-                  <a:off x="2318992" y="4506012"/>
+                  <a:off x="2507532" y="4506012"/>
                   <a:ext cx="9427" cy="1018095"/>
                 </a:xfrm>
                 <a:prstGeom prst="line">
@@ -3154,7 +3159,7 @@
                   </p:nvSpPr>
                   <p:spPr>
                     <a:xfrm>
-                      <a:off x="1805229" y="5593716"/>
+                      <a:off x="1927780" y="5593716"/>
                       <a:ext cx="1008668" cy="400110"/>
                     </a:xfrm>
                     <a:prstGeom prst="rect">
@@ -3168,6 +3173,7 @@
                     </a:bodyPr>
                     <a:lstStyle/>
                     <a:p>
+                      <a:pPr/>
                       <a14:m>
                         <m:oMathPara xmlns:m="http://schemas.openxmlformats.org/officeDocument/2006/math">
                           <m:oMathParaPr>
@@ -3211,7 +3217,7 @@
                   </p:nvSpPr>
                   <p:spPr>
                     <a:xfrm>
-                      <a:off x="1805229" y="5593716"/>
+                      <a:off x="1927780" y="5593716"/>
                       <a:ext cx="1008668" cy="400110"/>
                     </a:xfrm>
                     <a:prstGeom prst="rect">
@@ -3240,43 +3246,561 @@
               </mc:Fallback>
             </mc:AlternateContent>
           </p:grpSp>
+          <mc:AlternateContent xmlns:mc="http://schemas.openxmlformats.org/markup-compatibility/2006" xmlns:a14="http://schemas.microsoft.com/office/drawing/2010/main">
+            <mc:Choice Requires="a14">
+              <p:sp>
+                <p:nvSpPr>
+                  <p:cNvPr id="19" name="TextBox 18"/>
+                  <p:cNvSpPr txBox="1"/>
+                  <p:nvPr/>
+                </p:nvSpPr>
+                <p:spPr>
+                  <a:xfrm>
+                    <a:off x="5349234" y="2706953"/>
+                    <a:ext cx="6429399" cy="797462"/>
+                  </a:xfrm>
+                  <a:prstGeom prst="rect">
+                    <a:avLst/>
+                  </a:prstGeom>
+                  <a:noFill/>
+                </p:spPr>
+                <p:txBody>
+                  <a:bodyPr wrap="square" rtlCol="0">
+                    <a:spAutoFit/>
+                  </a:bodyPr>
+                  <a:lstStyle/>
+                  <a:p>
+                    <a14:m>
+                      <m:oMath xmlns:m="http://schemas.openxmlformats.org/officeDocument/2006/math">
+                        <m:f>
+                          <m:fPr>
+                            <m:ctrlPr>
+                              <a:rPr lang="en-US" altLang="ko-KR" sz="2400" i="1" smtClean="0">
+                                <a:latin typeface="Cambria Math" panose="02040503050406030204" pitchFamily="18" charset="0"/>
+                              </a:rPr>
+                            </m:ctrlPr>
+                          </m:fPr>
+                          <m:num>
+                            <m:r>
+                              <a:rPr lang="en-US" altLang="ko-KR" sz="2400" b="0" i="1" smtClean="0">
+                                <a:latin typeface="Cambria Math" panose="02040503050406030204" pitchFamily="18" charset="0"/>
+                              </a:rPr>
+                              <m:t>𝑓</m:t>
+                            </m:r>
+                            <m:d>
+                              <m:dPr>
+                                <m:ctrlPr>
+                                  <a:rPr lang="en-US" altLang="ko-KR" sz="2400" b="0" i="1" smtClean="0">
+                                    <a:latin typeface="Cambria Math" panose="02040503050406030204" pitchFamily="18" charset="0"/>
+                                  </a:rPr>
+                                </m:ctrlPr>
+                              </m:dPr>
+                              <m:e>
+                                <m:r>
+                                  <a:rPr lang="en-US" altLang="ko-KR" sz="2400" b="0" i="1" smtClean="0">
+                                    <a:latin typeface="Cambria Math" panose="02040503050406030204" pitchFamily="18" charset="0"/>
+                                  </a:rPr>
+                                  <m:t>𝑥</m:t>
+                                </m:r>
+                              </m:e>
+                            </m:d>
+                            <m:r>
+                              <a:rPr lang="en-US" altLang="ko-KR" sz="2400" b="0" i="1" smtClean="0">
+                                <a:latin typeface="Cambria Math" panose="02040503050406030204" pitchFamily="18" charset="0"/>
+                              </a:rPr>
+                              <m:t>−</m:t>
+                            </m:r>
+                            <m:r>
+                              <a:rPr lang="en-US" altLang="ko-KR" sz="2400" b="0" i="1" smtClean="0">
+                                <a:latin typeface="Cambria Math" panose="02040503050406030204" pitchFamily="18" charset="0"/>
+                              </a:rPr>
+                              <m:t>𝑓</m:t>
+                            </m:r>
+                            <m:r>
+                              <a:rPr lang="en-US" altLang="ko-KR" sz="2400" b="0" i="1" smtClean="0">
+                                <a:latin typeface="Cambria Math" panose="02040503050406030204" pitchFamily="18" charset="0"/>
+                              </a:rPr>
+                              <m:t>(</m:t>
+                            </m:r>
+                            <m:r>
+                              <a:rPr lang="en-US" altLang="ko-KR" sz="2400" b="0" i="1" smtClean="0">
+                                <a:latin typeface="Cambria Math" panose="02040503050406030204" pitchFamily="18" charset="0"/>
+                              </a:rPr>
+                              <m:t>𝑥</m:t>
+                            </m:r>
+                            <m:r>
+                              <a:rPr lang="en-US" altLang="ko-KR" sz="2400" b="0" i="1" smtClean="0">
+                                <a:latin typeface="Cambria Math" panose="02040503050406030204" pitchFamily="18" charset="0"/>
+                              </a:rPr>
+                              <m:t>−</m:t>
+                            </m:r>
+                            <m:r>
+                              <a:rPr lang="en-US" altLang="ko-KR" sz="2400" b="0" i="1" smtClean="0">
+                                <a:latin typeface="Cambria Math" panose="02040503050406030204" pitchFamily="18" charset="0"/>
+                              </a:rPr>
+                              <m:t>h</m:t>
+                            </m:r>
+                            <m:r>
+                              <a:rPr lang="en-US" altLang="ko-KR" sz="2400" b="0" i="1" smtClean="0">
+                                <a:latin typeface="Cambria Math" panose="02040503050406030204" pitchFamily="18" charset="0"/>
+                              </a:rPr>
+                              <m:t>)</m:t>
+                            </m:r>
+                          </m:num>
+                          <m:den>
+                            <m:r>
+                              <a:rPr lang="en-US" altLang="ko-KR" sz="2400" b="0" i="1" smtClean="0">
+                                <a:latin typeface="Cambria Math" panose="02040503050406030204" pitchFamily="18" charset="0"/>
+                              </a:rPr>
+                              <m:t>h</m:t>
+                            </m:r>
+                          </m:den>
+                        </m:f>
+                      </m:oMath>
+                    </a14:m>
+                    <a:r>
+                      <a:rPr lang="ko-KR" altLang="en-US" dirty="0" smtClean="0"/>
+                      <a:t>  </a:t>
+                    </a:r>
+                    <a:r>
+                      <a:rPr lang="en-US" altLang="ko-KR" dirty="0" smtClean="0"/>
+                      <a:t>or  </a:t>
+                    </a:r>
+                    <a14:m>
+                      <m:oMath xmlns:m="http://schemas.openxmlformats.org/officeDocument/2006/math">
+                        <m:f>
+                          <m:fPr>
+                            <m:ctrlPr>
+                              <a:rPr lang="en-US" altLang="ko-KR" sz="2400" i="1" smtClean="0">
+                                <a:latin typeface="Cambria Math" panose="02040503050406030204" pitchFamily="18" charset="0"/>
+                              </a:rPr>
+                            </m:ctrlPr>
+                          </m:fPr>
+                          <m:num>
+                            <m:r>
+                              <a:rPr lang="en-US" altLang="ko-KR" sz="2400" b="0" i="1" smtClean="0">
+                                <a:latin typeface="Cambria Math" panose="02040503050406030204" pitchFamily="18" charset="0"/>
+                              </a:rPr>
+                              <m:t>𝑓</m:t>
+                            </m:r>
+                            <m:d>
+                              <m:dPr>
+                                <m:ctrlPr>
+                                  <a:rPr lang="en-US" altLang="ko-KR" sz="2400" b="0" i="1" smtClean="0">
+                                    <a:latin typeface="Cambria Math" panose="02040503050406030204" pitchFamily="18" charset="0"/>
+                                  </a:rPr>
+                                </m:ctrlPr>
+                              </m:dPr>
+                              <m:e>
+                                <m:r>
+                                  <a:rPr lang="en-US" altLang="ko-KR" sz="2400" b="0" i="1" smtClean="0">
+                                    <a:latin typeface="Cambria Math" panose="02040503050406030204" pitchFamily="18" charset="0"/>
+                                  </a:rPr>
+                                  <m:t>𝑥</m:t>
+                                </m:r>
+                                <m:r>
+                                  <a:rPr lang="en-US" altLang="ko-KR" sz="2400" b="0" i="1" smtClean="0">
+                                    <a:latin typeface="Cambria Math" panose="02040503050406030204" pitchFamily="18" charset="0"/>
+                                  </a:rPr>
+                                  <m:t>+</m:t>
+                                </m:r>
+                                <m:r>
+                                  <a:rPr lang="en-US" altLang="ko-KR" sz="2400" b="0" i="1" smtClean="0">
+                                    <a:latin typeface="Cambria Math" panose="02040503050406030204" pitchFamily="18" charset="0"/>
+                                  </a:rPr>
+                                  <m:t>h</m:t>
+                                </m:r>
+                              </m:e>
+                            </m:d>
+                            <m:r>
+                              <a:rPr lang="en-US" altLang="ko-KR" sz="2400" b="0" i="1" smtClean="0">
+                                <a:latin typeface="Cambria Math" panose="02040503050406030204" pitchFamily="18" charset="0"/>
+                              </a:rPr>
+                              <m:t>−</m:t>
+                            </m:r>
+                            <m:r>
+                              <a:rPr lang="en-US" altLang="ko-KR" sz="2400" b="0" i="1" smtClean="0">
+                                <a:latin typeface="Cambria Math" panose="02040503050406030204" pitchFamily="18" charset="0"/>
+                              </a:rPr>
+                              <m:t>𝑓</m:t>
+                            </m:r>
+                            <m:r>
+                              <a:rPr lang="en-US" altLang="ko-KR" sz="2400" b="0" i="1" smtClean="0">
+                                <a:latin typeface="Cambria Math" panose="02040503050406030204" pitchFamily="18" charset="0"/>
+                              </a:rPr>
+                              <m:t>(</m:t>
+                            </m:r>
+                            <m:r>
+                              <a:rPr lang="en-US" altLang="ko-KR" sz="2400" b="0" i="1" smtClean="0">
+                                <a:latin typeface="Cambria Math" panose="02040503050406030204" pitchFamily="18" charset="0"/>
+                              </a:rPr>
+                              <m:t>𝑥</m:t>
+                            </m:r>
+                            <m:r>
+                              <a:rPr lang="en-US" altLang="ko-KR" sz="2400" b="0" i="1" smtClean="0">
+                                <a:latin typeface="Cambria Math" panose="02040503050406030204" pitchFamily="18" charset="0"/>
+                              </a:rPr>
+                              <m:t>)</m:t>
+                            </m:r>
+                          </m:num>
+                          <m:den>
+                            <m:r>
+                              <a:rPr lang="en-US" altLang="ko-KR" sz="2400" b="0" i="1" smtClean="0">
+                                <a:latin typeface="Cambria Math" panose="02040503050406030204" pitchFamily="18" charset="0"/>
+                              </a:rPr>
+                              <m:t>h</m:t>
+                            </m:r>
+                          </m:den>
+                        </m:f>
+                      </m:oMath>
+                    </a14:m>
+                    <a:r>
+                      <a:rPr lang="ko-KR" altLang="en-US" dirty="0" smtClean="0"/>
+                      <a:t>  </a:t>
+                    </a:r>
+                    <a14:m>
+                      <m:oMath xmlns:m="http://schemas.openxmlformats.org/officeDocument/2006/math">
+                        <m:groupChr>
+                          <m:groupChrPr>
+                            <m:chr m:val="⇒"/>
+                            <m:vertJc m:val="bot"/>
+                            <m:ctrlPr>
+                              <a:rPr lang="en-US" altLang="ko-KR" sz="2400" i="1" dirty="0" smtClean="0">
+                                <a:latin typeface="Cambria Math" panose="02040503050406030204" pitchFamily="18" charset="0"/>
+                              </a:rPr>
+                            </m:ctrlPr>
+                          </m:groupChrPr>
+                          <m:e>
+                            <m:r>
+                              <m:rPr>
+                                <m:brk m:alnAt="2"/>
+                              </m:rPr>
+                              <a:rPr lang="ko-KR" altLang="en-US" sz="2400" i="1" dirty="0" smtClean="0">
+                                <a:solidFill>
+                                  <a:srgbClr val="7030A0"/>
+                                </a:solidFill>
+                                <a:latin typeface="Cambria Math" panose="02040503050406030204" pitchFamily="18" charset="0"/>
+                              </a:rPr>
+                              <m:t>변</m:t>
+                            </m:r>
+                            <m:r>
+                              <a:rPr lang="ko-KR" altLang="en-US" sz="2400" i="1" dirty="0" smtClean="0">
+                                <a:solidFill>
+                                  <a:srgbClr val="7030A0"/>
+                                </a:solidFill>
+                                <a:latin typeface="Cambria Math" panose="02040503050406030204" pitchFamily="18" charset="0"/>
+                              </a:rPr>
+                              <m:t>경</m:t>
+                            </m:r>
+                          </m:e>
+                        </m:groupChr>
+                        <m:r>
+                          <a:rPr lang="en-US" altLang="ko-KR" sz="2400" b="0" i="1" dirty="0" smtClean="0">
+                            <a:latin typeface="Cambria Math" panose="02040503050406030204" pitchFamily="18" charset="0"/>
+                          </a:rPr>
+                          <m:t>   </m:t>
+                        </m:r>
+                        <m:f>
+                          <m:fPr>
+                            <m:ctrlPr>
+                              <a:rPr lang="en-US" altLang="ko-KR" sz="2400" i="1" dirty="0" smtClean="0">
+                                <a:solidFill>
+                                  <a:srgbClr val="00B0F0"/>
+                                </a:solidFill>
+                                <a:latin typeface="Cambria Math" panose="02040503050406030204" pitchFamily="18" charset="0"/>
+                              </a:rPr>
+                            </m:ctrlPr>
+                          </m:fPr>
+                          <m:num>
+                            <m:r>
+                              <a:rPr lang="en-US" altLang="ko-KR" sz="2400" b="0" i="1" dirty="0" smtClean="0">
+                                <a:solidFill>
+                                  <a:srgbClr val="00B0F0"/>
+                                </a:solidFill>
+                                <a:latin typeface="Cambria Math" panose="02040503050406030204" pitchFamily="18" charset="0"/>
+                              </a:rPr>
+                              <m:t>𝑓</m:t>
+                            </m:r>
+                            <m:d>
+                              <m:dPr>
+                                <m:ctrlPr>
+                                  <a:rPr lang="en-US" altLang="ko-KR" sz="2400" b="0" i="1" dirty="0" smtClean="0">
+                                    <a:solidFill>
+                                      <a:srgbClr val="00B0F0"/>
+                                    </a:solidFill>
+                                    <a:latin typeface="Cambria Math" panose="02040503050406030204" pitchFamily="18" charset="0"/>
+                                  </a:rPr>
+                                </m:ctrlPr>
+                              </m:dPr>
+                              <m:e>
+                                <m:r>
+                                  <a:rPr lang="en-US" altLang="ko-KR" sz="2400" b="0" i="1" dirty="0" smtClean="0">
+                                    <a:solidFill>
+                                      <a:srgbClr val="00B0F0"/>
+                                    </a:solidFill>
+                                    <a:latin typeface="Cambria Math" panose="02040503050406030204" pitchFamily="18" charset="0"/>
+                                  </a:rPr>
+                                  <m:t>𝑥</m:t>
+                                </m:r>
+                                <m:r>
+                                  <a:rPr lang="en-US" altLang="ko-KR" sz="2400" b="0" i="1" dirty="0" smtClean="0">
+                                    <a:solidFill>
+                                      <a:srgbClr val="00B0F0"/>
+                                    </a:solidFill>
+                                    <a:latin typeface="Cambria Math" panose="02040503050406030204" pitchFamily="18" charset="0"/>
+                                  </a:rPr>
+                                  <m:t>+</m:t>
+                                </m:r>
+                                <m:r>
+                                  <a:rPr lang="en-US" altLang="ko-KR" sz="2400" b="0" i="1" dirty="0" smtClean="0">
+                                    <a:solidFill>
+                                      <a:srgbClr val="00B0F0"/>
+                                    </a:solidFill>
+                                    <a:latin typeface="Cambria Math" panose="02040503050406030204" pitchFamily="18" charset="0"/>
+                                  </a:rPr>
+                                  <m:t>h</m:t>
+                                </m:r>
+                              </m:e>
+                            </m:d>
+                            <m:r>
+                              <a:rPr lang="en-US" altLang="ko-KR" sz="2400" b="0" i="1" dirty="0" smtClean="0">
+                                <a:solidFill>
+                                  <a:srgbClr val="00B0F0"/>
+                                </a:solidFill>
+                                <a:latin typeface="Cambria Math" panose="02040503050406030204" pitchFamily="18" charset="0"/>
+                              </a:rPr>
+                              <m:t>−</m:t>
+                            </m:r>
+                            <m:r>
+                              <a:rPr lang="en-US" altLang="ko-KR" sz="2400" b="0" i="1" dirty="0" smtClean="0">
+                                <a:solidFill>
+                                  <a:srgbClr val="00B0F0"/>
+                                </a:solidFill>
+                                <a:latin typeface="Cambria Math" panose="02040503050406030204" pitchFamily="18" charset="0"/>
+                              </a:rPr>
+                              <m:t>𝑓</m:t>
+                            </m:r>
+                            <m:r>
+                              <a:rPr lang="en-US" altLang="ko-KR" sz="2400" b="0" i="1" dirty="0" smtClean="0">
+                                <a:solidFill>
+                                  <a:srgbClr val="00B0F0"/>
+                                </a:solidFill>
+                                <a:latin typeface="Cambria Math" panose="02040503050406030204" pitchFamily="18" charset="0"/>
+                              </a:rPr>
+                              <m:t>(</m:t>
+                            </m:r>
+                            <m:r>
+                              <a:rPr lang="en-US" altLang="ko-KR" sz="2400" b="0" i="1" dirty="0" smtClean="0">
+                                <a:solidFill>
+                                  <a:srgbClr val="00B0F0"/>
+                                </a:solidFill>
+                                <a:latin typeface="Cambria Math" panose="02040503050406030204" pitchFamily="18" charset="0"/>
+                              </a:rPr>
+                              <m:t>𝑥</m:t>
+                            </m:r>
+                            <m:r>
+                              <a:rPr lang="en-US" altLang="ko-KR" sz="2400" b="0" i="1" dirty="0" smtClean="0">
+                                <a:solidFill>
+                                  <a:srgbClr val="00B0F0"/>
+                                </a:solidFill>
+                                <a:latin typeface="Cambria Math" panose="02040503050406030204" pitchFamily="18" charset="0"/>
+                              </a:rPr>
+                              <m:t>−</m:t>
+                            </m:r>
+                            <m:r>
+                              <a:rPr lang="en-US" altLang="ko-KR" sz="2400" b="0" i="1" dirty="0" smtClean="0">
+                                <a:solidFill>
+                                  <a:srgbClr val="00B0F0"/>
+                                </a:solidFill>
+                                <a:latin typeface="Cambria Math" panose="02040503050406030204" pitchFamily="18" charset="0"/>
+                              </a:rPr>
+                              <m:t>h</m:t>
+                            </m:r>
+                            <m:r>
+                              <a:rPr lang="en-US" altLang="ko-KR" sz="2400" b="0" i="1" dirty="0" smtClean="0">
+                                <a:solidFill>
+                                  <a:srgbClr val="00B0F0"/>
+                                </a:solidFill>
+                                <a:latin typeface="Cambria Math" panose="02040503050406030204" pitchFamily="18" charset="0"/>
+                              </a:rPr>
+                              <m:t>)</m:t>
+                            </m:r>
+                          </m:num>
+                          <m:den>
+                            <m:r>
+                              <a:rPr lang="en-US" altLang="ko-KR" sz="2400" b="0" i="1" dirty="0" smtClean="0">
+                                <a:solidFill>
+                                  <a:srgbClr val="00B0F0"/>
+                                </a:solidFill>
+                                <a:latin typeface="Cambria Math" panose="02040503050406030204" pitchFamily="18" charset="0"/>
+                              </a:rPr>
+                              <m:t>2</m:t>
+                            </m:r>
+                            <m:r>
+                              <a:rPr lang="en-US" altLang="ko-KR" sz="2400" b="0" i="1" dirty="0" smtClean="0">
+                                <a:solidFill>
+                                  <a:srgbClr val="00B0F0"/>
+                                </a:solidFill>
+                                <a:latin typeface="Cambria Math" panose="02040503050406030204" pitchFamily="18" charset="0"/>
+                              </a:rPr>
+                              <m:t>h</m:t>
+                            </m:r>
+                          </m:den>
+                        </m:f>
+                      </m:oMath>
+                    </a14:m>
+                    <a:endParaRPr lang="ko-KR" altLang="en-US" sz="3600" dirty="0">
+                      <a:solidFill>
+                        <a:srgbClr val="00B0F0"/>
+                      </a:solidFill>
+                    </a:endParaRPr>
+                  </a:p>
+                </p:txBody>
+              </p:sp>
+            </mc:Choice>
+            <mc:Fallback xmlns="">
+              <p:sp>
+                <p:nvSpPr>
+                  <p:cNvPr id="19" name="TextBox 18"/>
+                  <p:cNvSpPr txBox="1">
+                    <a:spLocks noRot="1" noChangeAspect="1" noMove="1" noResize="1" noEditPoints="1" noAdjustHandles="1" noChangeArrowheads="1" noChangeShapeType="1" noTextEdit="1"/>
+                  </p:cNvSpPr>
+                  <p:nvPr/>
+                </p:nvSpPr>
+                <p:spPr>
+                  <a:xfrm>
+                    <a:off x="5349234" y="2706953"/>
+                    <a:ext cx="6429399" cy="797462"/>
+                  </a:xfrm>
+                  <a:prstGeom prst="rect">
+                    <a:avLst/>
+                  </a:prstGeom>
+                  <a:blipFill>
+                    <a:blip r:embed="rId4"/>
+                    <a:stretch>
+                      <a:fillRect/>
+                    </a:stretch>
+                  </a:blipFill>
+                </p:spPr>
+                <p:txBody>
+                  <a:bodyPr/>
+                  <a:lstStyle/>
+                  <a:p>
+                    <a:r>
+                      <a:rPr lang="ko-KR" altLang="en-US">
+                        <a:noFill/>
+                      </a:rPr>
+                      <a:t> </a:t>
+                    </a:r>
+                  </a:p>
+                </p:txBody>
+              </p:sp>
+            </mc:Fallback>
+          </mc:AlternateContent>
           <p:sp>
             <p:nvSpPr>
-              <p:cNvPr id="17" name="타원 16"/>
+              <p:cNvPr id="20" name="TextBox 19"/>
+              <p:cNvSpPr txBox="1"/>
+              <p:nvPr/>
+            </p:nvSpPr>
+            <p:spPr>
+              <a:xfrm>
+                <a:off x="6055018" y="3960931"/>
+                <a:ext cx="2070887" cy="646331"/>
+              </a:xfrm>
+              <a:prstGeom prst="rect">
+                <a:avLst/>
+              </a:prstGeom>
+              <a:noFill/>
+            </p:spPr>
+            <p:txBody>
+              <a:bodyPr wrap="square" rtlCol="0">
+                <a:spAutoFit/>
+              </a:bodyPr>
+              <a:lstStyle/>
+              <a:p>
+                <a:pPr algn="ctr"/>
+                <a:r>
+                  <a:rPr lang="ko-KR" altLang="en-US" dirty="0" smtClean="0"/>
+                  <a:t>수치 미분 할 때 오차 생김 </a:t>
+                </a:r>
+                <a:endParaRPr lang="ko-KR" altLang="en-US" dirty="0"/>
+              </a:p>
+            </p:txBody>
+          </p:sp>
+          <p:sp>
+            <p:nvSpPr>
+              <p:cNvPr id="22" name="TextBox 21"/>
+              <p:cNvSpPr txBox="1"/>
+              <p:nvPr/>
+            </p:nvSpPr>
+            <p:spPr>
+              <a:xfrm>
+                <a:off x="9568206" y="3859681"/>
+                <a:ext cx="2017336" cy="646331"/>
+              </a:xfrm>
+              <a:prstGeom prst="rect">
+                <a:avLst/>
+              </a:prstGeom>
+              <a:noFill/>
+            </p:spPr>
+            <p:txBody>
+              <a:bodyPr wrap="square" rtlCol="0">
+                <a:spAutoFit/>
+              </a:bodyPr>
+              <a:lstStyle/>
+              <a:p>
+                <a:pPr algn="ctr"/>
+                <a:r>
+                  <a:rPr lang="ko-KR" altLang="en-US" dirty="0" smtClean="0"/>
+                  <a:t>개선된 </a:t>
+                </a:r>
+                <a:endParaRPr lang="en-US" altLang="ko-KR" dirty="0" smtClean="0"/>
+              </a:p>
+              <a:p>
+                <a:pPr algn="ctr"/>
+                <a:r>
+                  <a:rPr lang="ko-KR" altLang="en-US" dirty="0" smtClean="0"/>
+                  <a:t>수치 </a:t>
+                </a:r>
+                <a:r>
+                  <a:rPr lang="ko-KR" altLang="en-US" dirty="0" err="1" smtClean="0"/>
+                  <a:t>미분식</a:t>
+                </a:r>
+                <a:endParaRPr lang="ko-KR" altLang="en-US" dirty="0"/>
+              </a:p>
+            </p:txBody>
+          </p:sp>
+          <p:sp>
+            <p:nvSpPr>
+              <p:cNvPr id="24" name="오른쪽 중괄호 23"/>
               <p:cNvSpPr/>
               <p:nvPr/>
             </p:nvSpPr>
             <p:spPr>
-              <a:xfrm>
-                <a:off x="3450211" y="3417217"/>
-                <a:ext cx="141402" cy="174396"/>
+              <a:xfrm rot="5400000">
+                <a:off x="6855500" y="2862543"/>
+                <a:ext cx="367930" cy="1647246"/>
               </a:xfrm>
-              <a:prstGeom prst="ellipse">
-                <a:avLst/>
+              <a:prstGeom prst="rightBrace">
+                <a:avLst>
+                  <a:gd name="adj1" fmla="val 8333"/>
+                  <a:gd name="adj2" fmla="val 47436"/>
+                </a:avLst>
               </a:prstGeom>
-              <a:solidFill>
-                <a:schemeClr val="bg1">
-                  <a:lumMod val="75000"/>
-                </a:schemeClr>
-              </a:solidFill>
-              <a:ln>
-                <a:noFill/>
-              </a:ln>
             </p:spPr>
             <p:style>
-              <a:lnRef idx="2">
-                <a:schemeClr val="accent1">
-                  <a:shade val="50000"/>
-                </a:schemeClr>
+              <a:lnRef idx="1">
+                <a:schemeClr val="accent1"/>
               </a:lnRef>
-              <a:fillRef idx="1">
+              <a:fillRef idx="0">
                 <a:schemeClr val="accent1"/>
               </a:fillRef>
               <a:effectRef idx="0">
                 <a:schemeClr val="accent1"/>
               </a:effectRef>
               <a:fontRef idx="minor">
-                <a:schemeClr val="lt1"/>
+                <a:schemeClr val="tx1"/>
               </a:fontRef>
             </p:style>
             <p:txBody>
@@ -3289,552 +3813,43 @@
             </p:txBody>
           </p:sp>
         </p:grpSp>
-        <mc:AlternateContent xmlns:mc="http://schemas.openxmlformats.org/markup-compatibility/2006">
-          <mc:Choice xmlns:a14="http://schemas.microsoft.com/office/drawing/2010/main" Requires="a14">
-            <p:sp>
-              <p:nvSpPr>
-                <p:cNvPr id="19" name="TextBox 18"/>
-                <p:cNvSpPr txBox="1"/>
-                <p:nvPr/>
-              </p:nvSpPr>
-              <p:spPr>
-                <a:xfrm>
-                  <a:off x="5349234" y="2706953"/>
-                  <a:ext cx="6429399" cy="797462"/>
-                </a:xfrm>
-                <a:prstGeom prst="rect">
-                  <a:avLst/>
-                </a:prstGeom>
-                <a:noFill/>
-              </p:spPr>
-              <p:txBody>
-                <a:bodyPr wrap="square" rtlCol="0">
-                  <a:spAutoFit/>
-                </a:bodyPr>
-                <a:lstStyle/>
-                <a:p>
-                  <a14:m>
-                    <m:oMath xmlns:m="http://schemas.openxmlformats.org/officeDocument/2006/math">
-                      <m:f>
-                        <m:fPr>
-                          <m:ctrlPr>
-                            <a:rPr lang="en-US" altLang="ko-KR" sz="2400" i="1" smtClean="0">
-                              <a:latin typeface="Cambria Math" panose="02040503050406030204" pitchFamily="18" charset="0"/>
-                            </a:rPr>
-                          </m:ctrlPr>
-                        </m:fPr>
-                        <m:num>
-                          <m:r>
-                            <a:rPr lang="en-US" altLang="ko-KR" sz="2400" b="0" i="1" smtClean="0">
-                              <a:latin typeface="Cambria Math" panose="02040503050406030204" pitchFamily="18" charset="0"/>
-                            </a:rPr>
-                            <m:t>𝑓</m:t>
-                          </m:r>
-                          <m:d>
-                            <m:dPr>
-                              <m:ctrlPr>
-                                <a:rPr lang="en-US" altLang="ko-KR" sz="2400" b="0" i="1" smtClean="0">
-                                  <a:latin typeface="Cambria Math" panose="02040503050406030204" pitchFamily="18" charset="0"/>
-                                </a:rPr>
-                              </m:ctrlPr>
-                            </m:dPr>
-                            <m:e>
-                              <m:r>
-                                <a:rPr lang="en-US" altLang="ko-KR" sz="2400" b="0" i="1" smtClean="0">
-                                  <a:latin typeface="Cambria Math" panose="02040503050406030204" pitchFamily="18" charset="0"/>
-                                </a:rPr>
-                                <m:t>𝑥</m:t>
-                              </m:r>
-                            </m:e>
-                          </m:d>
-                          <m:r>
-                            <a:rPr lang="en-US" altLang="ko-KR" sz="2400" b="0" i="1" smtClean="0">
-                              <a:latin typeface="Cambria Math" panose="02040503050406030204" pitchFamily="18" charset="0"/>
-                            </a:rPr>
-                            <m:t>−</m:t>
-                          </m:r>
-                          <m:r>
-                            <a:rPr lang="en-US" altLang="ko-KR" sz="2400" b="0" i="1" smtClean="0">
-                              <a:latin typeface="Cambria Math" panose="02040503050406030204" pitchFamily="18" charset="0"/>
-                            </a:rPr>
-                            <m:t>𝑓</m:t>
-                          </m:r>
-                          <m:r>
-                            <a:rPr lang="en-US" altLang="ko-KR" sz="2400" b="0" i="1" smtClean="0">
-                              <a:latin typeface="Cambria Math" panose="02040503050406030204" pitchFamily="18" charset="0"/>
-                            </a:rPr>
-                            <m:t>(</m:t>
-                          </m:r>
-                          <m:r>
-                            <a:rPr lang="en-US" altLang="ko-KR" sz="2400" b="0" i="1" smtClean="0">
-                              <a:latin typeface="Cambria Math" panose="02040503050406030204" pitchFamily="18" charset="0"/>
-                            </a:rPr>
-                            <m:t>𝑥</m:t>
-                          </m:r>
-                          <m:r>
-                            <a:rPr lang="en-US" altLang="ko-KR" sz="2400" b="0" i="1" smtClean="0">
-                              <a:latin typeface="Cambria Math" panose="02040503050406030204" pitchFamily="18" charset="0"/>
-                            </a:rPr>
-                            <m:t>−</m:t>
-                          </m:r>
-                          <m:r>
-                            <a:rPr lang="en-US" altLang="ko-KR" sz="2400" b="0" i="1" smtClean="0">
-                              <a:latin typeface="Cambria Math" panose="02040503050406030204" pitchFamily="18" charset="0"/>
-                            </a:rPr>
-                            <m:t>h</m:t>
-                          </m:r>
-                          <m:r>
-                            <a:rPr lang="en-US" altLang="ko-KR" sz="2400" b="0" i="1" smtClean="0">
-                              <a:latin typeface="Cambria Math" panose="02040503050406030204" pitchFamily="18" charset="0"/>
-                            </a:rPr>
-                            <m:t>)</m:t>
-                          </m:r>
-                        </m:num>
-                        <m:den>
-                          <m:r>
-                            <a:rPr lang="en-US" altLang="ko-KR" sz="2400" b="0" i="1" smtClean="0">
-                              <a:latin typeface="Cambria Math" panose="02040503050406030204" pitchFamily="18" charset="0"/>
-                            </a:rPr>
-                            <m:t>h</m:t>
-                          </m:r>
-                        </m:den>
-                      </m:f>
-                    </m:oMath>
-                  </a14:m>
-                  <a:r>
-                    <a:rPr lang="ko-KR" altLang="en-US" dirty="0" smtClean="0"/>
-                    <a:t>  </a:t>
-                  </a:r>
-                  <a:r>
-                    <a:rPr lang="en-US" altLang="ko-KR" dirty="0" smtClean="0"/>
-                    <a:t>or  </a:t>
-                  </a:r>
-                  <a14:m>
-                    <m:oMath xmlns:m="http://schemas.openxmlformats.org/officeDocument/2006/math">
-                      <m:f>
-                        <m:fPr>
-                          <m:ctrlPr>
-                            <a:rPr lang="en-US" altLang="ko-KR" sz="2400" i="1" smtClean="0">
-                              <a:latin typeface="Cambria Math" panose="02040503050406030204" pitchFamily="18" charset="0"/>
-                            </a:rPr>
-                          </m:ctrlPr>
-                        </m:fPr>
-                        <m:num>
-                          <m:r>
-                            <a:rPr lang="en-US" altLang="ko-KR" sz="2400" b="0" i="1" smtClean="0">
-                              <a:latin typeface="Cambria Math" panose="02040503050406030204" pitchFamily="18" charset="0"/>
-                            </a:rPr>
-                            <m:t>𝑓</m:t>
-                          </m:r>
-                          <m:d>
-                            <m:dPr>
-                              <m:ctrlPr>
-                                <a:rPr lang="en-US" altLang="ko-KR" sz="2400" b="0" i="1" smtClean="0">
-                                  <a:latin typeface="Cambria Math" panose="02040503050406030204" pitchFamily="18" charset="0"/>
-                                </a:rPr>
-                              </m:ctrlPr>
-                            </m:dPr>
-                            <m:e>
-                              <m:r>
-                                <a:rPr lang="en-US" altLang="ko-KR" sz="2400" b="0" i="1" smtClean="0">
-                                  <a:latin typeface="Cambria Math" panose="02040503050406030204" pitchFamily="18" charset="0"/>
-                                </a:rPr>
-                                <m:t>𝑥</m:t>
-                              </m:r>
-                              <m:r>
-                                <a:rPr lang="en-US" altLang="ko-KR" sz="2400" b="0" i="1" smtClean="0">
-                                  <a:latin typeface="Cambria Math" panose="02040503050406030204" pitchFamily="18" charset="0"/>
-                                </a:rPr>
-                                <m:t>+</m:t>
-                              </m:r>
-                              <m:r>
-                                <a:rPr lang="en-US" altLang="ko-KR" sz="2400" b="0" i="1" smtClean="0">
-                                  <a:latin typeface="Cambria Math" panose="02040503050406030204" pitchFamily="18" charset="0"/>
-                                </a:rPr>
-                                <m:t>h</m:t>
-                              </m:r>
-                            </m:e>
-                          </m:d>
-                          <m:r>
-                            <a:rPr lang="en-US" altLang="ko-KR" sz="2400" b="0" i="1" smtClean="0">
-                              <a:latin typeface="Cambria Math" panose="02040503050406030204" pitchFamily="18" charset="0"/>
-                            </a:rPr>
-                            <m:t>−</m:t>
-                          </m:r>
-                          <m:r>
-                            <a:rPr lang="en-US" altLang="ko-KR" sz="2400" b="0" i="1" smtClean="0">
-                              <a:latin typeface="Cambria Math" panose="02040503050406030204" pitchFamily="18" charset="0"/>
-                            </a:rPr>
-                            <m:t>𝑓</m:t>
-                          </m:r>
-                          <m:r>
-                            <a:rPr lang="en-US" altLang="ko-KR" sz="2400" b="0" i="1" smtClean="0">
-                              <a:latin typeface="Cambria Math" panose="02040503050406030204" pitchFamily="18" charset="0"/>
-                            </a:rPr>
-                            <m:t>(</m:t>
-                          </m:r>
-                          <m:r>
-                            <a:rPr lang="en-US" altLang="ko-KR" sz="2400" b="0" i="1" smtClean="0">
-                              <a:latin typeface="Cambria Math" panose="02040503050406030204" pitchFamily="18" charset="0"/>
-                            </a:rPr>
-                            <m:t>𝑥</m:t>
-                          </m:r>
-                          <m:r>
-                            <a:rPr lang="en-US" altLang="ko-KR" sz="2400" b="0" i="1" smtClean="0">
-                              <a:latin typeface="Cambria Math" panose="02040503050406030204" pitchFamily="18" charset="0"/>
-                            </a:rPr>
-                            <m:t>)</m:t>
-                          </m:r>
-                        </m:num>
-                        <m:den>
-                          <m:r>
-                            <a:rPr lang="en-US" altLang="ko-KR" sz="2400" b="0" i="1" smtClean="0">
-                              <a:latin typeface="Cambria Math" panose="02040503050406030204" pitchFamily="18" charset="0"/>
-                            </a:rPr>
-                            <m:t>h</m:t>
-                          </m:r>
-                        </m:den>
-                      </m:f>
-                    </m:oMath>
-                  </a14:m>
-                  <a:r>
-                    <a:rPr lang="ko-KR" altLang="en-US" dirty="0" smtClean="0"/>
-                    <a:t>  </a:t>
-                  </a:r>
-                  <a14:m>
-                    <m:oMath xmlns:m="http://schemas.openxmlformats.org/officeDocument/2006/math">
-                      <m:groupChr>
-                        <m:groupChrPr>
-                          <m:chr m:val="⇒"/>
-                          <m:vertJc m:val="bot"/>
-                          <m:ctrlPr>
-                            <a:rPr lang="en-US" altLang="ko-KR" sz="2400" i="1" dirty="0" smtClean="0">
-                              <a:latin typeface="Cambria Math" panose="02040503050406030204" pitchFamily="18" charset="0"/>
-                            </a:rPr>
-                          </m:ctrlPr>
-                        </m:groupChrPr>
-                        <m:e>
-                          <m:r>
-                            <m:rPr>
-                              <m:brk m:alnAt="2"/>
-                            </m:rPr>
-                            <a:rPr lang="ko-KR" altLang="en-US" sz="2400" i="1" dirty="0" smtClean="0">
-                              <a:solidFill>
-                                <a:srgbClr val="7030A0"/>
-                              </a:solidFill>
-                              <a:latin typeface="Cambria Math" panose="02040503050406030204" pitchFamily="18" charset="0"/>
-                            </a:rPr>
-                            <m:t>변경</m:t>
-                          </m:r>
-                        </m:e>
-                      </m:groupChr>
-                      <m:r>
-                        <a:rPr lang="en-US" altLang="ko-KR" sz="2400" b="0" i="1" dirty="0" smtClean="0">
-                          <a:latin typeface="Cambria Math" panose="02040503050406030204" pitchFamily="18" charset="0"/>
-                        </a:rPr>
-                        <m:t>   </m:t>
-                      </m:r>
-                      <m:f>
-                        <m:fPr>
-                          <m:ctrlPr>
-                            <a:rPr lang="en-US" altLang="ko-KR" sz="2400" i="1" dirty="0" smtClean="0">
-                              <a:solidFill>
-                                <a:srgbClr val="00B0F0"/>
-                              </a:solidFill>
-                              <a:latin typeface="Cambria Math" panose="02040503050406030204" pitchFamily="18" charset="0"/>
-                            </a:rPr>
-                          </m:ctrlPr>
-                        </m:fPr>
-                        <m:num>
-                          <m:r>
-                            <a:rPr lang="en-US" altLang="ko-KR" sz="2400" b="0" i="1" dirty="0" smtClean="0">
-                              <a:solidFill>
-                                <a:srgbClr val="00B0F0"/>
-                              </a:solidFill>
-                              <a:latin typeface="Cambria Math" panose="02040503050406030204" pitchFamily="18" charset="0"/>
-                            </a:rPr>
-                            <m:t>𝑓</m:t>
-                          </m:r>
-                          <m:d>
-                            <m:dPr>
-                              <m:ctrlPr>
-                                <a:rPr lang="en-US" altLang="ko-KR" sz="2400" b="0" i="1" dirty="0" smtClean="0">
-                                  <a:solidFill>
-                                    <a:srgbClr val="00B0F0"/>
-                                  </a:solidFill>
-                                  <a:latin typeface="Cambria Math" panose="02040503050406030204" pitchFamily="18" charset="0"/>
-                                </a:rPr>
-                              </m:ctrlPr>
-                            </m:dPr>
-                            <m:e>
-                              <m:r>
-                                <a:rPr lang="en-US" altLang="ko-KR" sz="2400" b="0" i="1" dirty="0" smtClean="0">
-                                  <a:solidFill>
-                                    <a:srgbClr val="00B0F0"/>
-                                  </a:solidFill>
-                                  <a:latin typeface="Cambria Math" panose="02040503050406030204" pitchFamily="18" charset="0"/>
-                                </a:rPr>
-                                <m:t>𝑥</m:t>
-                              </m:r>
-                              <m:r>
-                                <a:rPr lang="en-US" altLang="ko-KR" sz="2400" b="0" i="1" dirty="0" smtClean="0">
-                                  <a:solidFill>
-                                    <a:srgbClr val="00B0F0"/>
-                                  </a:solidFill>
-                                  <a:latin typeface="Cambria Math" panose="02040503050406030204" pitchFamily="18" charset="0"/>
-                                </a:rPr>
-                                <m:t>+</m:t>
-                              </m:r>
-                              <m:r>
-                                <a:rPr lang="en-US" altLang="ko-KR" sz="2400" b="0" i="1" dirty="0" smtClean="0">
-                                  <a:solidFill>
-                                    <a:srgbClr val="00B0F0"/>
-                                  </a:solidFill>
-                                  <a:latin typeface="Cambria Math" panose="02040503050406030204" pitchFamily="18" charset="0"/>
-                                </a:rPr>
-                                <m:t>h</m:t>
-                              </m:r>
-                            </m:e>
-                          </m:d>
-                          <m:r>
-                            <a:rPr lang="en-US" altLang="ko-KR" sz="2400" b="0" i="1" dirty="0" smtClean="0">
-                              <a:solidFill>
-                                <a:srgbClr val="00B0F0"/>
-                              </a:solidFill>
-                              <a:latin typeface="Cambria Math" panose="02040503050406030204" pitchFamily="18" charset="0"/>
-                            </a:rPr>
-                            <m:t>−</m:t>
-                          </m:r>
-                          <m:r>
-                            <a:rPr lang="en-US" altLang="ko-KR" sz="2400" b="0" i="1" dirty="0" smtClean="0">
-                              <a:solidFill>
-                                <a:srgbClr val="00B0F0"/>
-                              </a:solidFill>
-                              <a:latin typeface="Cambria Math" panose="02040503050406030204" pitchFamily="18" charset="0"/>
-                            </a:rPr>
-                            <m:t>𝑓</m:t>
-                          </m:r>
-                          <m:r>
-                            <a:rPr lang="en-US" altLang="ko-KR" sz="2400" b="0" i="1" dirty="0" smtClean="0">
-                              <a:solidFill>
-                                <a:srgbClr val="00B0F0"/>
-                              </a:solidFill>
-                              <a:latin typeface="Cambria Math" panose="02040503050406030204" pitchFamily="18" charset="0"/>
-                            </a:rPr>
-                            <m:t>(</m:t>
-                          </m:r>
-                          <m:r>
-                            <a:rPr lang="en-US" altLang="ko-KR" sz="2400" b="0" i="1" dirty="0" smtClean="0">
-                              <a:solidFill>
-                                <a:srgbClr val="00B0F0"/>
-                              </a:solidFill>
-                              <a:latin typeface="Cambria Math" panose="02040503050406030204" pitchFamily="18" charset="0"/>
-                            </a:rPr>
-                            <m:t>𝑥</m:t>
-                          </m:r>
-                          <m:r>
-                            <a:rPr lang="en-US" altLang="ko-KR" sz="2400" b="0" i="1" dirty="0" smtClean="0">
-                              <a:solidFill>
-                                <a:srgbClr val="00B0F0"/>
-                              </a:solidFill>
-                              <a:latin typeface="Cambria Math" panose="02040503050406030204" pitchFamily="18" charset="0"/>
-                            </a:rPr>
-                            <m:t>−</m:t>
-                          </m:r>
-                          <m:r>
-                            <a:rPr lang="en-US" altLang="ko-KR" sz="2400" b="0" i="1" dirty="0" smtClean="0">
-                              <a:solidFill>
-                                <a:srgbClr val="00B0F0"/>
-                              </a:solidFill>
-                              <a:latin typeface="Cambria Math" panose="02040503050406030204" pitchFamily="18" charset="0"/>
-                            </a:rPr>
-                            <m:t>h</m:t>
-                          </m:r>
-                          <m:r>
-                            <a:rPr lang="en-US" altLang="ko-KR" sz="2400" b="0" i="1" dirty="0" smtClean="0">
-                              <a:solidFill>
-                                <a:srgbClr val="00B0F0"/>
-                              </a:solidFill>
-                              <a:latin typeface="Cambria Math" panose="02040503050406030204" pitchFamily="18" charset="0"/>
-                            </a:rPr>
-                            <m:t>)</m:t>
-                          </m:r>
-                        </m:num>
-                        <m:den>
-                          <m:r>
-                            <a:rPr lang="en-US" altLang="ko-KR" sz="2400" b="0" i="1" dirty="0" smtClean="0">
-                              <a:solidFill>
-                                <a:srgbClr val="00B0F0"/>
-                              </a:solidFill>
-                              <a:latin typeface="Cambria Math" panose="02040503050406030204" pitchFamily="18" charset="0"/>
-                            </a:rPr>
-                            <m:t>2</m:t>
-                          </m:r>
-                          <m:r>
-                            <a:rPr lang="en-US" altLang="ko-KR" sz="2400" b="0" i="1" dirty="0" smtClean="0">
-                              <a:solidFill>
-                                <a:srgbClr val="00B0F0"/>
-                              </a:solidFill>
-                              <a:latin typeface="Cambria Math" panose="02040503050406030204" pitchFamily="18" charset="0"/>
-                            </a:rPr>
-                            <m:t>h</m:t>
-                          </m:r>
-                        </m:den>
-                      </m:f>
-                    </m:oMath>
-                  </a14:m>
-                  <a:endParaRPr lang="ko-KR" altLang="en-US" sz="3600" dirty="0">
-                    <a:solidFill>
-                      <a:srgbClr val="00B0F0"/>
-                    </a:solidFill>
-                  </a:endParaRPr>
-                </a:p>
-              </p:txBody>
-            </p:sp>
-          </mc:Choice>
-          <mc:Fallback>
-            <p:sp>
-              <p:nvSpPr>
-                <p:cNvPr id="19" name="TextBox 18"/>
-                <p:cNvSpPr txBox="1">
-                  <a:spLocks noRot="1" noChangeAspect="1" noMove="1" noResize="1" noEditPoints="1" noAdjustHandles="1" noChangeArrowheads="1" noChangeShapeType="1" noTextEdit="1"/>
-                </p:cNvSpPr>
-                <p:nvPr/>
-              </p:nvSpPr>
-              <p:spPr>
-                <a:xfrm>
-                  <a:off x="5349234" y="2706953"/>
-                  <a:ext cx="6429399" cy="797462"/>
-                </a:xfrm>
-                <a:prstGeom prst="rect">
-                  <a:avLst/>
-                </a:prstGeom>
-                <a:blipFill>
-                  <a:blip r:embed="rId4"/>
-                  <a:stretch>
-                    <a:fillRect/>
-                  </a:stretch>
-                </a:blipFill>
-              </p:spPr>
-              <p:txBody>
-                <a:bodyPr/>
-                <a:lstStyle/>
-                <a:p>
-                  <a:r>
-                    <a:rPr lang="ko-KR" altLang="en-US">
-                      <a:noFill/>
-                    </a:rPr>
-                    <a:t> </a:t>
-                  </a:r>
-                </a:p>
-              </p:txBody>
-            </p:sp>
-          </mc:Fallback>
-        </mc:AlternateContent>
         <p:sp>
           <p:nvSpPr>
-            <p:cNvPr id="20" name="TextBox 19"/>
-            <p:cNvSpPr txBox="1"/>
+            <p:cNvPr id="23" name="타원 22"/>
+            <p:cNvSpPr/>
             <p:nvPr/>
           </p:nvSpPr>
           <p:spPr>
             <a:xfrm>
-              <a:off x="6055018" y="3960931"/>
-              <a:ext cx="2070887" cy="646331"/>
+              <a:off x="3450211" y="3407790"/>
+              <a:ext cx="131975" cy="183823"/>
             </a:xfrm>
-            <a:prstGeom prst="rect">
+            <a:prstGeom prst="ellipse">
               <a:avLst/>
             </a:prstGeom>
-            <a:noFill/>
-          </p:spPr>
-          <p:txBody>
-            <a:bodyPr wrap="square" rtlCol="0">
-              <a:spAutoFit/>
-            </a:bodyPr>
-            <a:lstStyle/>
-            <a:p>
-              <a:pPr algn="ctr"/>
-              <a:r>
-                <a:rPr lang="ko-KR" altLang="en-US" dirty="0" smtClean="0"/>
-                <a:t>수치 미분 할 때 오차 생김 </a:t>
-              </a:r>
-              <a:endParaRPr lang="ko-KR" altLang="en-US" dirty="0"/>
-            </a:p>
-          </p:txBody>
-        </p:sp>
-        <p:sp>
-          <p:nvSpPr>
-            <p:cNvPr id="22" name="TextBox 21"/>
-            <p:cNvSpPr txBox="1"/>
-            <p:nvPr/>
-          </p:nvSpPr>
-          <p:spPr>
-            <a:xfrm>
-              <a:off x="9568206" y="3859681"/>
-              <a:ext cx="2017336" cy="646331"/>
-            </a:xfrm>
-            <a:prstGeom prst="rect">
-              <a:avLst/>
-            </a:prstGeom>
-            <a:noFill/>
-          </p:spPr>
-          <p:txBody>
-            <a:bodyPr wrap="square" rtlCol="0">
-              <a:spAutoFit/>
-            </a:bodyPr>
-            <a:lstStyle/>
-            <a:p>
-              <a:pPr algn="ctr"/>
-              <a:r>
-                <a:rPr lang="ko-KR" altLang="en-US" dirty="0" smtClean="0"/>
-                <a:t>개선된 </a:t>
-              </a:r>
-              <a:endParaRPr lang="en-US" altLang="ko-KR" dirty="0" smtClean="0"/>
-            </a:p>
-            <a:p>
-              <a:pPr algn="ctr"/>
-              <a:r>
-                <a:rPr lang="ko-KR" altLang="en-US" dirty="0" smtClean="0"/>
-                <a:t>수치 </a:t>
-              </a:r>
-              <a:r>
-                <a:rPr lang="ko-KR" altLang="en-US" dirty="0" err="1" smtClean="0"/>
-                <a:t>미분식</a:t>
-              </a:r>
-              <a:endParaRPr lang="ko-KR" altLang="en-US" dirty="0"/>
-            </a:p>
-          </p:txBody>
-        </p:sp>
-        <p:sp>
-          <p:nvSpPr>
-            <p:cNvPr id="24" name="오른쪽 중괄호 23"/>
-            <p:cNvSpPr/>
-            <p:nvPr/>
-          </p:nvSpPr>
-          <p:spPr>
-            <a:xfrm rot="5400000">
-              <a:off x="6855500" y="2862543"/>
-              <a:ext cx="367930" cy="1647246"/>
-            </a:xfrm>
-            <a:prstGeom prst="rightBrace">
-              <a:avLst>
-                <a:gd name="adj1" fmla="val 8333"/>
-                <a:gd name="adj2" fmla="val 47436"/>
-              </a:avLst>
-            </a:prstGeom>
+            <a:solidFill>
+              <a:schemeClr val="bg1">
+                <a:lumMod val="75000"/>
+              </a:schemeClr>
+            </a:solidFill>
+            <a:ln>
+              <a:noFill/>
+            </a:ln>
           </p:spPr>
           <p:style>
-            <a:lnRef idx="1">
-              <a:schemeClr val="accent1"/>
+            <a:lnRef idx="2">
+              <a:schemeClr val="accent1">
+                <a:shade val="50000"/>
+              </a:schemeClr>
             </a:lnRef>
-            <a:fillRef idx="0">
+            <a:fillRef idx="1">
               <a:schemeClr val="accent1"/>
             </a:fillRef>
             <a:effectRef idx="0">
               <a:schemeClr val="accent1"/>
             </a:effectRef>
             <a:fontRef idx="minor">
-              <a:schemeClr val="tx1"/>
+              <a:schemeClr val="lt1"/>
             </a:fontRef>
           </p:style>
           <p:txBody>
